--- a/bishops/cs321/resources/CS321_Lecture_10B.pptx
+++ b/bishops/cs321/resources/CS321_Lecture_10B.pptx
@@ -235,7 +235,7 @@
           <a:p>
             <a:fld id="{A6583E9D-07AB-4C6D-BFD0-47E805C6B3D4}" type="datetimeFigureOut">
               <a:rPr lang="en-CA" smtClean="0"/>
-              <a:t>2022-02-14</a:t>
+              <a:t>2022-02-15</a:t>
             </a:fld>
             <a:endParaRPr lang="en-CA"/>
           </a:p>
@@ -6640,6 +6640,13 @@
               <a:t>Exceptions should be handled by the part of the program that is best equipped to do the right thing about them</a:t>
             </a:r>
           </a:p>
+          <a:p>
+            <a:pPr lvl="1"/>
+            <a:r>
+              <a:rPr lang="en-US" altLang="en-US" dirty="0"/>
+              <a:t>Example: The caller of the method may know what to do, but the method itself doesn’t.</a:t>
+            </a:r>
+          </a:p>
         </p:txBody>
       </p:sp>
       <p:sp>

--- a/bishops/cs321/resources/CS321_Lecture_10B.pptx
+++ b/bishops/cs321/resources/CS321_Lecture_10B.pptx
@@ -135,7 +135,7 @@
   </p:defaultTextStyle>
   <p:extLst>
     <p:ext uri="{EFAFB233-063F-42B5-8137-9DF3F51BA10A}">
-      <p15:sldGuideLst xmlns:p15="http://schemas.microsoft.com/office/powerpoint/2012/main"/>
+      <p15:sldGuideLst xmlns:p15="http://schemas.microsoft.com/office/powerpoint/2012/main" xmlns=""/>
     </p:ext>
   </p:extLst>
 </p:presentation>
@@ -146,7 +146,7 @@
   <p:cmAuthor id="1" name="Gregory" initials="G" lastIdx="1" clrIdx="0">
     <p:extLst>
       <p:ext uri="{19B8F6BF-5375-455C-9EA6-DF929625EA0E}">
-        <p15:presenceInfo xmlns:p15="http://schemas.microsoft.com/office/powerpoint/2012/main" userId="Gregory" providerId="None"/>
+        <p15:presenceInfo xmlns:p15="http://schemas.microsoft.com/office/powerpoint/2012/main" xmlns="" userId="Gregory" providerId="None"/>
       </p:ext>
     </p:extLst>
   </p:cmAuthor>
@@ -235,7 +235,8 @@
           <a:p>
             <a:fld id="{A6583E9D-07AB-4C6D-BFD0-47E805C6B3D4}" type="datetimeFigureOut">
               <a:rPr lang="en-CA" smtClean="0"/>
-              <a:t>2022-02-15</a:t>
+              <a:pPr/>
+              <a:t>2024-02-18</a:t>
             </a:fld>
             <a:endParaRPr lang="en-CA"/>
           </a:p>
@@ -394,6 +395,7 @@
           <a:p>
             <a:fld id="{8F20841C-25C9-4C0C-A7FA-C4A363D14F5A}" type="slidenum">
               <a:rPr lang="en-CA" smtClean="0"/>
+              <a:pPr/>
               <a:t>‹#›</a:t>
             </a:fld>
             <a:endParaRPr lang="en-CA"/>
@@ -403,7 +405,7 @@
     </p:spTree>
     <p:extLst>
       <p:ext uri="{BB962C8B-B14F-4D97-AF65-F5344CB8AC3E}">
-        <p14:creationId xmlns:p14="http://schemas.microsoft.com/office/powerpoint/2010/main" val="4237529172"/>
+        <p14:creationId xmlns:p14="http://schemas.microsoft.com/office/powerpoint/2010/main" xmlns="" val="4237529172"/>
       </p:ext>
     </p:extLst>
   </p:cSld>
@@ -547,14 +549,6 @@
           <a:bodyPr/>
           <a:lstStyle/>
           <a:p>
-            <a:r>
-              <a:rPr lang="en-CA" dirty="0"/>
-              <a:t>Multi-instrument</a:t>
-            </a:r>
-            <a:r>
-              <a:rPr lang="en-CA" baseline="0" dirty="0"/>
-              <a:t> / Multi-instrument Inter-process (minus the)-with Eye Trackers-</a:t>
-            </a:r>
             <a:endParaRPr lang="en-CA" dirty="0"/>
           </a:p>
         </p:txBody>
@@ -576,6 +570,7 @@
           <a:p>
             <a:fld id="{8F20841C-25C9-4C0C-A7FA-C4A363D14F5A}" type="slidenum">
               <a:rPr lang="en-CA" smtClean="0"/>
+              <a:pPr/>
               <a:t>1</a:t>
             </a:fld>
             <a:endParaRPr lang="en-CA"/>
@@ -585,7 +580,7 @@
     </p:spTree>
     <p:extLst>
       <p:ext uri="{BB962C8B-B14F-4D97-AF65-F5344CB8AC3E}">
-        <p14:creationId xmlns:p14="http://schemas.microsoft.com/office/powerpoint/2010/main" val="2340334442"/>
+        <p14:creationId xmlns:p14="http://schemas.microsoft.com/office/powerpoint/2010/main" xmlns="" val="2340334442"/>
       </p:ext>
     </p:extLst>
   </p:cSld>
@@ -779,6 +774,7 @@
           <a:p>
             <a:fld id="{5174927E-2439-42C0-9720-7BBCA09BF46F}" type="slidenum">
               <a:rPr lang="en-CA" smtClean="0"/>
+              <a:pPr/>
               <a:t>‹#›</a:t>
             </a:fld>
             <a:endParaRPr lang="en-CA"/>
@@ -788,7 +784,7 @@
     </p:spTree>
     <p:extLst>
       <p:ext uri="{BB962C8B-B14F-4D97-AF65-F5344CB8AC3E}">
-        <p14:creationId xmlns:p14="http://schemas.microsoft.com/office/powerpoint/2010/main" val="1900560834"/>
+        <p14:creationId xmlns:p14="http://schemas.microsoft.com/office/powerpoint/2010/main" xmlns="" val="1900560834"/>
       </p:ext>
     </p:extLst>
   </p:cSld>
@@ -952,6 +948,7 @@
           <a:p>
             <a:fld id="{5174927E-2439-42C0-9720-7BBCA09BF46F}" type="slidenum">
               <a:rPr lang="en-CA" smtClean="0"/>
+              <a:pPr/>
               <a:t>‹#›</a:t>
             </a:fld>
             <a:endParaRPr lang="en-CA"/>
@@ -961,7 +958,7 @@
     </p:spTree>
     <p:extLst>
       <p:ext uri="{BB962C8B-B14F-4D97-AF65-F5344CB8AC3E}">
-        <p14:creationId xmlns:p14="http://schemas.microsoft.com/office/powerpoint/2010/main" val="3722958745"/>
+        <p14:creationId xmlns:p14="http://schemas.microsoft.com/office/powerpoint/2010/main" xmlns="" val="3722958745"/>
       </p:ext>
     </p:extLst>
   </p:cSld>
@@ -1197,7 +1194,7 @@
     </p:spTree>
     <p:extLst>
       <p:ext uri="{BB962C8B-B14F-4D97-AF65-F5344CB8AC3E}">
-        <p14:creationId xmlns:p14="http://schemas.microsoft.com/office/powerpoint/2010/main" val="1822376042"/>
+        <p14:creationId xmlns:p14="http://schemas.microsoft.com/office/powerpoint/2010/main" xmlns="" val="1822376042"/>
       </p:ext>
     </p:extLst>
   </p:cSld>
@@ -1437,6 +1434,7 @@
           <a:p>
             <a:fld id="{5174927E-2439-42C0-9720-7BBCA09BF46F}" type="slidenum">
               <a:rPr lang="en-CA" smtClean="0"/>
+              <a:pPr/>
               <a:t>‹#›</a:t>
             </a:fld>
             <a:endParaRPr lang="en-CA"/>
@@ -1446,7 +1444,7 @@
     </p:spTree>
     <p:extLst>
       <p:ext uri="{BB962C8B-B14F-4D97-AF65-F5344CB8AC3E}">
-        <p14:creationId xmlns:p14="http://schemas.microsoft.com/office/powerpoint/2010/main" val="3411672561"/>
+        <p14:creationId xmlns:p14="http://schemas.microsoft.com/office/powerpoint/2010/main" xmlns="" val="3411672561"/>
       </p:ext>
     </p:extLst>
   </p:cSld>
@@ -1672,6 +1670,7 @@
           <a:p>
             <a:fld id="{5174927E-2439-42C0-9720-7BBCA09BF46F}" type="slidenum">
               <a:rPr lang="en-CA" smtClean="0"/>
+              <a:pPr/>
               <a:t>‹#›</a:t>
             </a:fld>
             <a:endParaRPr lang="en-CA"/>
@@ -1681,7 +1680,7 @@
     </p:spTree>
     <p:extLst>
       <p:ext uri="{BB962C8B-B14F-4D97-AF65-F5344CB8AC3E}">
-        <p14:creationId xmlns:p14="http://schemas.microsoft.com/office/powerpoint/2010/main" val="1093008526"/>
+        <p14:creationId xmlns:p14="http://schemas.microsoft.com/office/powerpoint/2010/main" xmlns="" val="1093008526"/>
       </p:ext>
     </p:extLst>
   </p:cSld>
@@ -2042,6 +2041,7 @@
           <a:p>
             <a:fld id="{5174927E-2439-42C0-9720-7BBCA09BF46F}" type="slidenum">
               <a:rPr lang="en-CA" smtClean="0"/>
+              <a:pPr/>
               <a:t>‹#›</a:t>
             </a:fld>
             <a:endParaRPr lang="en-CA"/>
@@ -2051,7 +2051,7 @@
     </p:spTree>
     <p:extLst>
       <p:ext uri="{BB962C8B-B14F-4D97-AF65-F5344CB8AC3E}">
-        <p14:creationId xmlns:p14="http://schemas.microsoft.com/office/powerpoint/2010/main" val="1087924878"/>
+        <p14:creationId xmlns:p14="http://schemas.microsoft.com/office/powerpoint/2010/main" xmlns="" val="1087924878"/>
       </p:ext>
     </p:extLst>
   </p:cSld>
@@ -2163,6 +2163,7 @@
           <a:p>
             <a:fld id="{5174927E-2439-42C0-9720-7BBCA09BF46F}" type="slidenum">
               <a:rPr lang="en-CA" smtClean="0"/>
+              <a:pPr/>
               <a:t>‹#›</a:t>
             </a:fld>
             <a:endParaRPr lang="en-CA"/>
@@ -2172,7 +2173,7 @@
     </p:spTree>
     <p:extLst>
       <p:ext uri="{BB962C8B-B14F-4D97-AF65-F5344CB8AC3E}">
-        <p14:creationId xmlns:p14="http://schemas.microsoft.com/office/powerpoint/2010/main" val="3802387408"/>
+        <p14:creationId xmlns:p14="http://schemas.microsoft.com/office/powerpoint/2010/main" xmlns="" val="3802387408"/>
       </p:ext>
     </p:extLst>
   </p:cSld>
@@ -2261,6 +2262,7 @@
           <a:p>
             <a:fld id="{5174927E-2439-42C0-9720-7BBCA09BF46F}" type="slidenum">
               <a:rPr lang="en-CA" smtClean="0"/>
+              <a:pPr/>
               <a:t>‹#›</a:t>
             </a:fld>
             <a:endParaRPr lang="en-CA"/>
@@ -2270,7 +2272,7 @@
     </p:spTree>
     <p:extLst>
       <p:ext uri="{BB962C8B-B14F-4D97-AF65-F5344CB8AC3E}">
-        <p14:creationId xmlns:p14="http://schemas.microsoft.com/office/powerpoint/2010/main" val="4234091411"/>
+        <p14:creationId xmlns:p14="http://schemas.microsoft.com/office/powerpoint/2010/main" xmlns="" val="4234091411"/>
       </p:ext>
     </p:extLst>
   </p:cSld>
@@ -2541,6 +2543,7 @@
           <a:p>
             <a:fld id="{5174927E-2439-42C0-9720-7BBCA09BF46F}" type="slidenum">
               <a:rPr lang="en-CA" smtClean="0"/>
+              <a:pPr/>
               <a:t>‹#›</a:t>
             </a:fld>
             <a:endParaRPr lang="en-CA"/>
@@ -2550,7 +2553,7 @@
     </p:spTree>
     <p:extLst>
       <p:ext uri="{BB962C8B-B14F-4D97-AF65-F5344CB8AC3E}">
-        <p14:creationId xmlns:p14="http://schemas.microsoft.com/office/powerpoint/2010/main" val="4189422420"/>
+        <p14:creationId xmlns:p14="http://schemas.microsoft.com/office/powerpoint/2010/main" xmlns="" val="4189422420"/>
       </p:ext>
     </p:extLst>
   </p:cSld>
@@ -2797,6 +2800,7 @@
           <a:p>
             <a:fld id="{5174927E-2439-42C0-9720-7BBCA09BF46F}" type="slidenum">
               <a:rPr lang="en-CA" smtClean="0"/>
+              <a:pPr/>
               <a:t>‹#›</a:t>
             </a:fld>
             <a:endParaRPr lang="en-CA"/>
@@ -2806,7 +2810,7 @@
     </p:spTree>
     <p:extLst>
       <p:ext uri="{BB962C8B-B14F-4D97-AF65-F5344CB8AC3E}">
-        <p14:creationId xmlns:p14="http://schemas.microsoft.com/office/powerpoint/2010/main" val="3252977898"/>
+        <p14:creationId xmlns:p14="http://schemas.microsoft.com/office/powerpoint/2010/main" xmlns="" val="3252977898"/>
       </p:ext>
     </p:extLst>
   </p:cSld>
@@ -3072,10 +3076,10 @@
           <p:nvPr userDrawn="1"/>
         </p:nvPicPr>
         <p:blipFill>
-          <a:blip r:embed="rId13">
+          <a:blip r:embed="rId13" cstate="print">
             <a:extLst>
               <a:ext uri="{28A0092B-C50C-407E-A947-70E740481C1C}">
-                <a14:useLocalDpi xmlns:a14="http://schemas.microsoft.com/office/drawing/2010/main" val="0"/>
+                <a14:useLocalDpi xmlns:a14="http://schemas.microsoft.com/office/drawing/2010/main" xmlns="" val="0"/>
               </a:ext>
             </a:extLst>
           </a:blip>
@@ -3096,7 +3100,7 @@
     </p:spTree>
     <p:extLst>
       <p:ext uri="{BB962C8B-B14F-4D97-AF65-F5344CB8AC3E}">
-        <p14:creationId xmlns:p14="http://schemas.microsoft.com/office/powerpoint/2010/main" val="4230061028"/>
+        <p14:creationId xmlns:p14="http://schemas.microsoft.com/office/powerpoint/2010/main" xmlns="" val="4230061028"/>
       </p:ext>
     </p:extLst>
   </p:cSld>
@@ -3541,8 +3545,13 @@
           <a:p>
             <a:r>
               <a:rPr lang="en-CA" dirty="0"/>
-              <a:t>Date: January 31, 2022</a:t>
-            </a:r>
+              <a:t>Date: </a:t>
+            </a:r>
+            <a:r>
+              <a:rPr lang="en-CA" dirty="0" smtClean="0"/>
+              <a:t>February 19, 2024</a:t>
+            </a:r>
+            <a:endParaRPr lang="en-CA" dirty="0"/>
           </a:p>
           <a:p>
             <a:endParaRPr lang="en-CA" dirty="0"/>
@@ -3554,7 +3563,7 @@
           <p:cNvPr id="13" name="Picture 8" descr="http://osiris.ubishops.ca/~alussier/images/transparentlogo_bu.png">
             <a:extLst>
               <a:ext uri="{FF2B5EF4-FFF2-40B4-BE49-F238E27FC236}">
-                <a16:creationId xmlns:a16="http://schemas.microsoft.com/office/drawing/2014/main" id="{CCB9A035-2F1C-4B96-A5DB-70B72D6E4AD8}"/>
+                <a16:creationId xmlns:a16="http://schemas.microsoft.com/office/drawing/2014/main" xmlns="" id="{CCB9A035-2F1C-4B96-A5DB-70B72D6E4AD8}"/>
               </a:ext>
             </a:extLst>
           </p:cNvPr>
@@ -3564,10 +3573,10 @@
           <p:nvPr/>
         </p:nvPicPr>
         <p:blipFill>
-          <a:blip r:embed="rId3">
+          <a:blip r:embed="rId3" cstate="print">
             <a:extLst>
               <a:ext uri="{28A0092B-C50C-407E-A947-70E740481C1C}">
-                <a14:useLocalDpi xmlns:a14="http://schemas.microsoft.com/office/drawing/2010/main" val="0"/>
+                <a14:useLocalDpi xmlns:a14="http://schemas.microsoft.com/office/drawing/2010/main" xmlns="" val="0"/>
               </a:ext>
             </a:extLst>
           </a:blip>
@@ -3587,7 +3596,7 @@
           <a:noFill/>
           <a:extLst>
             <a:ext uri="{909E8E84-426E-40DD-AFC4-6F175D3DCCD1}">
-              <a14:hiddenFill xmlns:a14="http://schemas.microsoft.com/office/drawing/2010/main">
+              <a14:hiddenFill xmlns:a14="http://schemas.microsoft.com/office/drawing/2010/main" xmlns="">
                 <a:solidFill>
                   <a:srgbClr val="FFFFFF"/>
                 </a:solidFill>
@@ -3599,7 +3608,7 @@
     </p:spTree>
     <p:extLst>
       <p:ext uri="{BB962C8B-B14F-4D97-AF65-F5344CB8AC3E}">
-        <p14:creationId xmlns:p14="http://schemas.microsoft.com/office/powerpoint/2010/main" val="4177077622"/>
+        <p14:creationId xmlns:p14="http://schemas.microsoft.com/office/powerpoint/2010/main" xmlns="" val="4177077622"/>
       </p:ext>
     </p:extLst>
   </p:cSld>
@@ -3777,28 +3786,6 @@
       </p:sp>
       <p:sp>
         <p:nvSpPr>
-          <p:cNvPr id="6" name="Date Placeholder 5"/>
-          <p:cNvSpPr>
-            <a:spLocks noGrp="1"/>
-          </p:cNvSpPr>
-          <p:nvPr>
-            <p:ph type="dt" sz="half" idx="2"/>
-          </p:nvPr>
-        </p:nvSpPr>
-        <p:spPr/>
-        <p:txBody>
-          <a:bodyPr/>
-          <a:lstStyle/>
-          <a:p>
-            <a:r>
-              <a:rPr lang="en-CA" dirty="0"/>
-              <a:t>Winter 2022</a:t>
-            </a:r>
-          </a:p>
-        </p:txBody>
-      </p:sp>
-      <p:sp>
-        <p:nvSpPr>
           <p:cNvPr id="10" name="Footer Placeholder 9"/>
           <p:cNvSpPr>
             <a:spLocks noGrp="1"/>
@@ -3849,7 +3836,7 @@
     </p:spTree>
     <p:extLst>
       <p:ext uri="{BB962C8B-B14F-4D97-AF65-F5344CB8AC3E}">
-        <p14:creationId xmlns:p14="http://schemas.microsoft.com/office/powerpoint/2010/main" val="3830296394"/>
+        <p14:creationId xmlns:p14="http://schemas.microsoft.com/office/powerpoint/2010/main" xmlns="" val="3830296394"/>
       </p:ext>
     </p:extLst>
   </p:cSld>
@@ -3939,28 +3926,6 @@
       </p:sp>
       <p:sp>
         <p:nvSpPr>
-          <p:cNvPr id="6" name="Date Placeholder 5"/>
-          <p:cNvSpPr>
-            <a:spLocks noGrp="1"/>
-          </p:cNvSpPr>
-          <p:nvPr>
-            <p:ph type="dt" sz="half" idx="2"/>
-          </p:nvPr>
-        </p:nvSpPr>
-        <p:spPr/>
-        <p:txBody>
-          <a:bodyPr/>
-          <a:lstStyle/>
-          <a:p>
-            <a:r>
-              <a:rPr lang="en-CA" dirty="0"/>
-              <a:t>Winter 2022</a:t>
-            </a:r>
-          </a:p>
-        </p:txBody>
-      </p:sp>
-      <p:sp>
-        <p:nvSpPr>
           <p:cNvPr id="10" name="Footer Placeholder 9"/>
           <p:cNvSpPr>
             <a:spLocks noGrp="1"/>
@@ -4013,7 +3978,7 @@
           <p:cNvPr id="39" name="Group 12">
             <a:extLst>
               <a:ext uri="{FF2B5EF4-FFF2-40B4-BE49-F238E27FC236}">
-                <a16:creationId xmlns:a16="http://schemas.microsoft.com/office/drawing/2014/main" id="{A6C2DC35-7A22-4C37-BF8A-27901678D9D8}"/>
+                <a16:creationId xmlns:a16="http://schemas.microsoft.com/office/drawing/2014/main" xmlns="" id="{A6C2DC35-7A22-4C37-BF8A-27901678D9D8}"/>
               </a:ext>
             </a:extLst>
           </p:cNvPr>
@@ -4035,7 +4000,7 @@
             <p:cNvPr id="40" name="AutoShape 4">
               <a:extLst>
                 <a:ext uri="{FF2B5EF4-FFF2-40B4-BE49-F238E27FC236}">
-                  <a16:creationId xmlns:a16="http://schemas.microsoft.com/office/drawing/2014/main" id="{3CE4CD09-6392-47B2-B9B1-BC0C96447276}"/>
+                  <a16:creationId xmlns:a16="http://schemas.microsoft.com/office/drawing/2014/main" xmlns="" id="{3CE4CD09-6392-47B2-B9B1-BC0C96447276}"/>
                 </a:ext>
               </a:extLst>
             </p:cNvPr>
@@ -4063,7 +4028,7 @@
             </a:ln>
             <a:extLst>
               <a:ext uri="{909E8E84-426E-40DD-AFC4-6F175D3DCCD1}">
-                <a14:hiddenFill xmlns:a14="http://schemas.microsoft.com/office/drawing/2010/main">
+                <a14:hiddenFill xmlns:a14="http://schemas.microsoft.com/office/drawing/2010/main" xmlns="">
                   <a:solidFill>
                     <a:srgbClr val="FFFFFF"/>
                   </a:solidFill>
@@ -4199,7 +4164,7 @@
             <p:cNvPr id="41" name="AutoShape 5">
               <a:extLst>
                 <a:ext uri="{FF2B5EF4-FFF2-40B4-BE49-F238E27FC236}">
-                  <a16:creationId xmlns:a16="http://schemas.microsoft.com/office/drawing/2014/main" id="{7F779181-8D3F-4486-AFF4-6DF0571AC57B}"/>
+                  <a16:creationId xmlns:a16="http://schemas.microsoft.com/office/drawing/2014/main" xmlns="" id="{7F779181-8D3F-4486-AFF4-6DF0571AC57B}"/>
                 </a:ext>
               </a:extLst>
             </p:cNvPr>
@@ -4227,7 +4192,7 @@
             </a:ln>
             <a:extLst>
               <a:ext uri="{909E8E84-426E-40DD-AFC4-6F175D3DCCD1}">
-                <a14:hiddenFill xmlns:a14="http://schemas.microsoft.com/office/drawing/2010/main">
+                <a14:hiddenFill xmlns:a14="http://schemas.microsoft.com/office/drawing/2010/main" xmlns="">
                   <a:solidFill>
                     <a:srgbClr val="FFFFFF"/>
                   </a:solidFill>
@@ -4363,7 +4328,7 @@
             <p:cNvPr id="42" name="AutoShape 6">
               <a:extLst>
                 <a:ext uri="{FF2B5EF4-FFF2-40B4-BE49-F238E27FC236}">
-                  <a16:creationId xmlns:a16="http://schemas.microsoft.com/office/drawing/2014/main" id="{4B878B8A-CB2B-49DE-98E7-D0E0902F9780}"/>
+                  <a16:creationId xmlns:a16="http://schemas.microsoft.com/office/drawing/2014/main" xmlns="" id="{4B878B8A-CB2B-49DE-98E7-D0E0902F9780}"/>
                 </a:ext>
               </a:extLst>
             </p:cNvPr>
@@ -4391,7 +4356,7 @@
             </a:ln>
             <a:extLst>
               <a:ext uri="{909E8E84-426E-40DD-AFC4-6F175D3DCCD1}">
-                <a14:hiddenFill xmlns:a14="http://schemas.microsoft.com/office/drawing/2010/main">
+                <a14:hiddenFill xmlns:a14="http://schemas.microsoft.com/office/drawing/2010/main" xmlns="">
                   <a:solidFill>
                     <a:srgbClr val="FFFFFF"/>
                   </a:solidFill>
@@ -4527,7 +4492,7 @@
             <p:cNvPr id="43" name="AutoShape 7">
               <a:extLst>
                 <a:ext uri="{FF2B5EF4-FFF2-40B4-BE49-F238E27FC236}">
-                  <a16:creationId xmlns:a16="http://schemas.microsoft.com/office/drawing/2014/main" id="{89E25E50-362C-4D40-8939-62173AB42D46}"/>
+                  <a16:creationId xmlns:a16="http://schemas.microsoft.com/office/drawing/2014/main" xmlns="" id="{89E25E50-362C-4D40-8939-62173AB42D46}"/>
                 </a:ext>
               </a:extLst>
             </p:cNvPr>
@@ -4555,7 +4520,7 @@
             </a:ln>
             <a:extLst>
               <a:ext uri="{909E8E84-426E-40DD-AFC4-6F175D3DCCD1}">
-                <a14:hiddenFill xmlns:a14="http://schemas.microsoft.com/office/drawing/2010/main">
+                <a14:hiddenFill xmlns:a14="http://schemas.microsoft.com/office/drawing/2010/main" xmlns="">
                   <a:solidFill>
                     <a:srgbClr val="FFFFFF"/>
                   </a:solidFill>
@@ -4691,7 +4656,7 @@
             <p:cNvPr id="44" name="Line 8">
               <a:extLst>
                 <a:ext uri="{FF2B5EF4-FFF2-40B4-BE49-F238E27FC236}">
-                  <a16:creationId xmlns:a16="http://schemas.microsoft.com/office/drawing/2014/main" id="{65B1F28A-A030-42CA-AAC2-9B5F00A62736}"/>
+                  <a16:creationId xmlns:a16="http://schemas.microsoft.com/office/drawing/2014/main" xmlns="" id="{65B1F28A-A030-42CA-AAC2-9B5F00A62736}"/>
                 </a:ext>
               </a:extLst>
             </p:cNvPr>
@@ -4719,7 +4684,7 @@
             </a:ln>
             <a:extLst>
               <a:ext uri="{909E8E84-426E-40DD-AFC4-6F175D3DCCD1}">
-                <a14:hiddenFill xmlns:a14="http://schemas.microsoft.com/office/drawing/2010/main">
+                <a14:hiddenFill xmlns:a14="http://schemas.microsoft.com/office/drawing/2010/main" xmlns="">
                   <a:noFill/>
                 </a14:hiddenFill>
               </a:ext>
@@ -4738,7 +4703,7 @@
             <p:cNvPr id="45" name="Line 10">
               <a:extLst>
                 <a:ext uri="{FF2B5EF4-FFF2-40B4-BE49-F238E27FC236}">
-                  <a16:creationId xmlns:a16="http://schemas.microsoft.com/office/drawing/2014/main" id="{A58C06C0-6DF4-4DCF-A308-814758907E05}"/>
+                  <a16:creationId xmlns:a16="http://schemas.microsoft.com/office/drawing/2014/main" xmlns="" id="{A58C06C0-6DF4-4DCF-A308-814758907E05}"/>
                 </a:ext>
               </a:extLst>
             </p:cNvPr>
@@ -4766,7 +4731,7 @@
             </a:ln>
             <a:extLst>
               <a:ext uri="{909E8E84-426E-40DD-AFC4-6F175D3DCCD1}">
-                <a14:hiddenFill xmlns:a14="http://schemas.microsoft.com/office/drawing/2010/main">
+                <a14:hiddenFill xmlns:a14="http://schemas.microsoft.com/office/drawing/2010/main" xmlns="">
                   <a:noFill/>
                 </a14:hiddenFill>
               </a:ext>
@@ -4785,7 +4750,7 @@
             <p:cNvPr id="46" name="Line 11">
               <a:extLst>
                 <a:ext uri="{FF2B5EF4-FFF2-40B4-BE49-F238E27FC236}">
-                  <a16:creationId xmlns:a16="http://schemas.microsoft.com/office/drawing/2014/main" id="{92E73FD8-2B03-4B19-BDC9-F64E05BF7004}"/>
+                  <a16:creationId xmlns:a16="http://schemas.microsoft.com/office/drawing/2014/main" xmlns="" id="{92E73FD8-2B03-4B19-BDC9-F64E05BF7004}"/>
                 </a:ext>
               </a:extLst>
             </p:cNvPr>
@@ -4813,7 +4778,7 @@
             </a:ln>
             <a:extLst>
               <a:ext uri="{909E8E84-426E-40DD-AFC4-6F175D3DCCD1}">
-                <a14:hiddenFill xmlns:a14="http://schemas.microsoft.com/office/drawing/2010/main">
+                <a14:hiddenFill xmlns:a14="http://schemas.microsoft.com/office/drawing/2010/main" xmlns="">
                   <a:noFill/>
                 </a14:hiddenFill>
               </a:ext>
@@ -4833,7 +4798,7 @@
           <p:cNvPr id="47" name="Group 17">
             <a:extLst>
               <a:ext uri="{FF2B5EF4-FFF2-40B4-BE49-F238E27FC236}">
-                <a16:creationId xmlns:a16="http://schemas.microsoft.com/office/drawing/2014/main" id="{59DC51F1-C74B-4727-B023-5413C898AFCF}"/>
+                <a16:creationId xmlns:a16="http://schemas.microsoft.com/office/drawing/2014/main" xmlns="" id="{59DC51F1-C74B-4727-B023-5413C898AFCF}"/>
               </a:ext>
             </a:extLst>
           </p:cNvPr>
@@ -4855,7 +4820,7 @@
             <p:cNvPr id="48" name="Text Box 13">
               <a:extLst>
                 <a:ext uri="{FF2B5EF4-FFF2-40B4-BE49-F238E27FC236}">
-                  <a16:creationId xmlns:a16="http://schemas.microsoft.com/office/drawing/2014/main" id="{D3C379E2-7B49-4E10-BA02-E111CA052D75}"/>
+                  <a16:creationId xmlns:a16="http://schemas.microsoft.com/office/drawing/2014/main" xmlns="" id="{D3C379E2-7B49-4E10-BA02-E111CA052D75}"/>
                 </a:ext>
               </a:extLst>
             </p:cNvPr>
@@ -4878,14 +4843,14 @@
             </a:ln>
             <a:extLst>
               <a:ext uri="{909E8E84-426E-40DD-AFC4-6F175D3DCCD1}">
-                <a14:hiddenFill xmlns:a14="http://schemas.microsoft.com/office/drawing/2010/main">
+                <a14:hiddenFill xmlns:a14="http://schemas.microsoft.com/office/drawing/2010/main" xmlns="">
                   <a:solidFill>
                     <a:srgbClr val="FFFFFF"/>
                   </a:solidFill>
                 </a14:hiddenFill>
               </a:ext>
               <a:ext uri="{91240B29-F687-4F45-9708-019B960494DF}">
-                <a14:hiddenLine xmlns:a14="http://schemas.microsoft.com/office/drawing/2010/main" w="9525">
+                <a14:hiddenLine xmlns:a14="http://schemas.microsoft.com/office/drawing/2010/main" xmlns="" w="9525">
                   <a:solidFill>
                     <a:srgbClr val="000000"/>
                   </a:solidFill>
@@ -5027,7 +4992,7 @@
             <p:cNvPr id="49" name="Freeform 15">
               <a:extLst>
                 <a:ext uri="{FF2B5EF4-FFF2-40B4-BE49-F238E27FC236}">
-                  <a16:creationId xmlns:a16="http://schemas.microsoft.com/office/drawing/2014/main" id="{C50C8802-B573-468F-B097-3C06467C3E71}"/>
+                  <a16:creationId xmlns:a16="http://schemas.microsoft.com/office/drawing/2014/main" xmlns="" id="{C50C8802-B573-468F-B097-3C06467C3E71}"/>
                 </a:ext>
               </a:extLst>
             </p:cNvPr>
@@ -5122,7 +5087,7 @@
             </a:ln>
             <a:extLst>
               <a:ext uri="{909E8E84-426E-40DD-AFC4-6F175D3DCCD1}">
-                <a14:hiddenFill xmlns:a14="http://schemas.microsoft.com/office/drawing/2010/main">
+                <a14:hiddenFill xmlns:a14="http://schemas.microsoft.com/office/drawing/2010/main" xmlns="">
                   <a:solidFill>
                     <a:srgbClr val="FFFFFF"/>
                   </a:solidFill>
@@ -5250,7 +5215,7 @@
           <p:cNvPr id="50" name="Group 23">
             <a:extLst>
               <a:ext uri="{FF2B5EF4-FFF2-40B4-BE49-F238E27FC236}">
-                <a16:creationId xmlns:a16="http://schemas.microsoft.com/office/drawing/2014/main" id="{B526F2DF-E5E4-4AB6-A532-07CD0E620D80}"/>
+                <a16:creationId xmlns:a16="http://schemas.microsoft.com/office/drawing/2014/main" xmlns="" id="{B526F2DF-E5E4-4AB6-A532-07CD0E620D80}"/>
               </a:ext>
             </a:extLst>
           </p:cNvPr>
@@ -5272,7 +5237,7 @@
             <p:cNvPr id="51" name="Text Box 18">
               <a:extLst>
                 <a:ext uri="{FF2B5EF4-FFF2-40B4-BE49-F238E27FC236}">
-                  <a16:creationId xmlns:a16="http://schemas.microsoft.com/office/drawing/2014/main" id="{6AB33E25-83A0-499B-AD5B-F4E84F52CCC9}"/>
+                  <a16:creationId xmlns:a16="http://schemas.microsoft.com/office/drawing/2014/main" xmlns="" id="{6AB33E25-83A0-499B-AD5B-F4E84F52CCC9}"/>
                 </a:ext>
               </a:extLst>
             </p:cNvPr>
@@ -5295,14 +5260,14 @@
             </a:ln>
             <a:extLst>
               <a:ext uri="{909E8E84-426E-40DD-AFC4-6F175D3DCCD1}">
-                <a14:hiddenFill xmlns:a14="http://schemas.microsoft.com/office/drawing/2010/main">
+                <a14:hiddenFill xmlns:a14="http://schemas.microsoft.com/office/drawing/2010/main" xmlns="">
                   <a:solidFill>
                     <a:srgbClr val="FFFFFF"/>
                   </a:solidFill>
                 </a14:hiddenFill>
               </a:ext>
               <a:ext uri="{91240B29-F687-4F45-9708-019B960494DF}">
-                <a14:hiddenLine xmlns:a14="http://schemas.microsoft.com/office/drawing/2010/main" w="9525">
+                <a14:hiddenLine xmlns:a14="http://schemas.microsoft.com/office/drawing/2010/main" xmlns="" w="9525">
                   <a:solidFill>
                     <a:srgbClr val="000000"/>
                   </a:solidFill>
@@ -5444,7 +5409,7 @@
             <p:cNvPr id="52" name="Freeform 21">
               <a:extLst>
                 <a:ext uri="{FF2B5EF4-FFF2-40B4-BE49-F238E27FC236}">
-                  <a16:creationId xmlns:a16="http://schemas.microsoft.com/office/drawing/2014/main" id="{4DA7B273-1B19-463E-A1AD-E21FB3589CDD}"/>
+                  <a16:creationId xmlns:a16="http://schemas.microsoft.com/office/drawing/2014/main" xmlns="" id="{4DA7B273-1B19-463E-A1AD-E21FB3589CDD}"/>
                 </a:ext>
               </a:extLst>
             </p:cNvPr>
@@ -5583,7 +5548,7 @@
             </a:ln>
             <a:extLst>
               <a:ext uri="{909E8E84-426E-40DD-AFC4-6F175D3DCCD1}">
-                <a14:hiddenFill xmlns:a14="http://schemas.microsoft.com/office/drawing/2010/main">
+                <a14:hiddenFill xmlns:a14="http://schemas.microsoft.com/office/drawing/2010/main" xmlns="">
                   <a:solidFill>
                     <a:srgbClr val="FFFFFF"/>
                   </a:solidFill>
@@ -5710,7 +5675,7 @@
             <p:cNvPr id="53" name="Freeform 22">
               <a:extLst>
                 <a:ext uri="{FF2B5EF4-FFF2-40B4-BE49-F238E27FC236}">
-                  <a16:creationId xmlns:a16="http://schemas.microsoft.com/office/drawing/2014/main" id="{12FC53C6-9FE2-46F4-9EA1-0DABD8073F88}"/>
+                  <a16:creationId xmlns:a16="http://schemas.microsoft.com/office/drawing/2014/main" xmlns="" id="{12FC53C6-9FE2-46F4-9EA1-0DABD8073F88}"/>
                 </a:ext>
               </a:extLst>
             </p:cNvPr>
@@ -5805,7 +5770,7 @@
             </a:ln>
             <a:extLst>
               <a:ext uri="{909E8E84-426E-40DD-AFC4-6F175D3DCCD1}">
-                <a14:hiddenFill xmlns:a14="http://schemas.microsoft.com/office/drawing/2010/main">
+                <a14:hiddenFill xmlns:a14="http://schemas.microsoft.com/office/drawing/2010/main" xmlns="">
                   <a:solidFill>
                     <a:srgbClr val="FFFFFF"/>
                   </a:solidFill>
@@ -5931,7 +5896,7 @@
     </p:spTree>
     <p:extLst>
       <p:ext uri="{BB962C8B-B14F-4D97-AF65-F5344CB8AC3E}">
-        <p14:creationId xmlns:p14="http://schemas.microsoft.com/office/powerpoint/2010/main" val="1148352933"/>
+        <p14:creationId xmlns:p14="http://schemas.microsoft.com/office/powerpoint/2010/main" xmlns="" val="1148352933"/>
       </p:ext>
     </p:extLst>
   </p:cSld>
@@ -6423,28 +6388,6 @@
       </p:sp>
       <p:sp>
         <p:nvSpPr>
-          <p:cNvPr id="6" name="Date Placeholder 5"/>
-          <p:cNvSpPr>
-            <a:spLocks noGrp="1"/>
-          </p:cNvSpPr>
-          <p:nvPr>
-            <p:ph type="dt" sz="half" idx="2"/>
-          </p:nvPr>
-        </p:nvSpPr>
-        <p:spPr/>
-        <p:txBody>
-          <a:bodyPr/>
-          <a:lstStyle/>
-          <a:p>
-            <a:r>
-              <a:rPr lang="en-CA" dirty="0"/>
-              <a:t>Winter 2022</a:t>
-            </a:r>
-          </a:p>
-        </p:txBody>
-      </p:sp>
-      <p:sp>
-        <p:nvSpPr>
           <p:cNvPr id="10" name="Footer Placeholder 9"/>
           <p:cNvSpPr>
             <a:spLocks noGrp="1"/>
@@ -6495,7 +6438,7 @@
     </p:spTree>
     <p:extLst>
       <p:ext uri="{BB962C8B-B14F-4D97-AF65-F5344CB8AC3E}">
-        <p14:creationId xmlns:p14="http://schemas.microsoft.com/office/powerpoint/2010/main" val="312691650"/>
+        <p14:creationId xmlns:p14="http://schemas.microsoft.com/office/powerpoint/2010/main" xmlns="" val="312691650"/>
       </p:ext>
     </p:extLst>
   </p:cSld>
@@ -6651,28 +6594,6 @@
       </p:sp>
       <p:sp>
         <p:nvSpPr>
-          <p:cNvPr id="6" name="Date Placeholder 5"/>
-          <p:cNvSpPr>
-            <a:spLocks noGrp="1"/>
-          </p:cNvSpPr>
-          <p:nvPr>
-            <p:ph type="dt" sz="half" idx="2"/>
-          </p:nvPr>
-        </p:nvSpPr>
-        <p:spPr/>
-        <p:txBody>
-          <a:bodyPr/>
-          <a:lstStyle/>
-          <a:p>
-            <a:r>
-              <a:rPr lang="en-CA" dirty="0"/>
-              <a:t>Winter 2022</a:t>
-            </a:r>
-          </a:p>
-        </p:txBody>
-      </p:sp>
-      <p:sp>
-        <p:nvSpPr>
           <p:cNvPr id="10" name="Footer Placeholder 9"/>
           <p:cNvSpPr>
             <a:spLocks noGrp="1"/>
@@ -6723,7 +6644,7 @@
     </p:spTree>
     <p:extLst>
       <p:ext uri="{BB962C8B-B14F-4D97-AF65-F5344CB8AC3E}">
-        <p14:creationId xmlns:p14="http://schemas.microsoft.com/office/powerpoint/2010/main" val="2325179049"/>
+        <p14:creationId xmlns:p14="http://schemas.microsoft.com/office/powerpoint/2010/main" xmlns="" val="2325179049"/>
       </p:ext>
     </p:extLst>
   </p:cSld>
@@ -6854,6 +6775,15 @@
               </a:rPr>
               <a:t>Example:</a:t>
             </a:r>
+            <a:r>
+              <a:rPr lang="en-US" altLang="en-US" dirty="0">
+                <a:solidFill>
+                  <a:schemeClr val="accent2"/>
+                </a:solidFill>
+                <a:ea typeface="ＭＳ Ｐゴシック" panose="020B0600070205080204" pitchFamily="34" charset="-128"/>
+              </a:rPr>
+              <a:t/>
+            </a:r>
             <a:br>
               <a:rPr lang="en-US" altLang="en-US" dirty="0">
                 <a:solidFill>
@@ -6991,28 +6921,6 @@
       </p:sp>
       <p:sp>
         <p:nvSpPr>
-          <p:cNvPr id="6" name="Date Placeholder 5"/>
-          <p:cNvSpPr>
-            <a:spLocks noGrp="1"/>
-          </p:cNvSpPr>
-          <p:nvPr>
-            <p:ph type="dt" sz="half" idx="2"/>
-          </p:nvPr>
-        </p:nvSpPr>
-        <p:spPr/>
-        <p:txBody>
-          <a:bodyPr/>
-          <a:lstStyle/>
-          <a:p>
-            <a:r>
-              <a:rPr lang="en-CA" dirty="0"/>
-              <a:t>Winter 2022</a:t>
-            </a:r>
-          </a:p>
-        </p:txBody>
-      </p:sp>
-      <p:sp>
-        <p:nvSpPr>
           <p:cNvPr id="10" name="Footer Placeholder 9"/>
           <p:cNvSpPr>
             <a:spLocks noGrp="1"/>
@@ -7063,7 +6971,7 @@
     </p:spTree>
     <p:extLst>
       <p:ext uri="{BB962C8B-B14F-4D97-AF65-F5344CB8AC3E}">
-        <p14:creationId xmlns:p14="http://schemas.microsoft.com/office/powerpoint/2010/main" val="3064902311"/>
+        <p14:creationId xmlns:p14="http://schemas.microsoft.com/office/powerpoint/2010/main" xmlns="" val="3064902311"/>
       </p:ext>
     </p:extLst>
   </p:cSld>
@@ -7331,28 +7239,6 @@
       </p:sp>
       <p:sp>
         <p:nvSpPr>
-          <p:cNvPr id="6" name="Date Placeholder 5"/>
-          <p:cNvSpPr>
-            <a:spLocks noGrp="1"/>
-          </p:cNvSpPr>
-          <p:nvPr>
-            <p:ph type="dt" sz="half" idx="2"/>
-          </p:nvPr>
-        </p:nvSpPr>
-        <p:spPr/>
-        <p:txBody>
-          <a:bodyPr/>
-          <a:lstStyle/>
-          <a:p>
-            <a:r>
-              <a:rPr lang="en-CA" dirty="0"/>
-              <a:t>Winter 2022</a:t>
-            </a:r>
-          </a:p>
-        </p:txBody>
-      </p:sp>
-      <p:sp>
-        <p:nvSpPr>
           <p:cNvPr id="10" name="Footer Placeholder 9"/>
           <p:cNvSpPr>
             <a:spLocks noGrp="1"/>
@@ -7403,7 +7289,7 @@
     </p:spTree>
     <p:extLst>
       <p:ext uri="{BB962C8B-B14F-4D97-AF65-F5344CB8AC3E}">
-        <p14:creationId xmlns:p14="http://schemas.microsoft.com/office/powerpoint/2010/main" val="4198276298"/>
+        <p14:creationId xmlns:p14="http://schemas.microsoft.com/office/powerpoint/2010/main" xmlns="" val="4198276298"/>
       </p:ext>
     </p:extLst>
   </p:cSld>
@@ -7455,28 +7341,6 @@
       </p:sp>
       <p:sp>
         <p:nvSpPr>
-          <p:cNvPr id="6" name="Date Placeholder 5"/>
-          <p:cNvSpPr>
-            <a:spLocks noGrp="1"/>
-          </p:cNvSpPr>
-          <p:nvPr>
-            <p:ph type="dt" sz="half" idx="2"/>
-          </p:nvPr>
-        </p:nvSpPr>
-        <p:spPr/>
-        <p:txBody>
-          <a:bodyPr/>
-          <a:lstStyle/>
-          <a:p>
-            <a:r>
-              <a:rPr lang="en-CA" dirty="0"/>
-              <a:t>Winter 2022</a:t>
-            </a:r>
-          </a:p>
-        </p:txBody>
-      </p:sp>
-      <p:sp>
-        <p:nvSpPr>
           <p:cNvPr id="10" name="Footer Placeholder 9"/>
           <p:cNvSpPr>
             <a:spLocks noGrp="1"/>
@@ -7529,7 +7393,7 @@
           <p:cNvPr id="5" name="Content Placeholder 4">
             <a:extLst>
               <a:ext uri="{FF2B5EF4-FFF2-40B4-BE49-F238E27FC236}">
-                <a16:creationId xmlns:a16="http://schemas.microsoft.com/office/drawing/2014/main" id="{F4C9EE17-8336-4F55-BFF5-CFF8F9AAED8D}"/>
+                <a16:creationId xmlns:a16="http://schemas.microsoft.com/office/drawing/2014/main" xmlns="" id="{F4C9EE17-8336-4F55-BFF5-CFF8F9AAED8D}"/>
               </a:ext>
             </a:extLst>
           </p:cNvPr>
@@ -7560,7 +7424,7 @@
           <p:cNvPr id="11" name="Rectangle 3">
             <a:extLst>
               <a:ext uri="{FF2B5EF4-FFF2-40B4-BE49-F238E27FC236}">
-                <a16:creationId xmlns:a16="http://schemas.microsoft.com/office/drawing/2014/main" id="{5F646B1B-CB45-4B54-9051-53BB49DC6BDE}"/>
+                <a16:creationId xmlns:a16="http://schemas.microsoft.com/office/drawing/2014/main" xmlns="" id="{5F646B1B-CB45-4B54-9051-53BB49DC6BDE}"/>
               </a:ext>
             </a:extLst>
           </p:cNvPr>
@@ -7583,14 +7447,14 @@
           </a:ln>
           <a:extLst>
             <a:ext uri="{909E8E84-426E-40DD-AFC4-6F175D3DCCD1}">
-              <a14:hiddenFill xmlns:a14="http://schemas.microsoft.com/office/drawing/2010/main">
+              <a14:hiddenFill xmlns:a14="http://schemas.microsoft.com/office/drawing/2010/main" xmlns="">
                 <a:solidFill>
                   <a:srgbClr val="FFFFFF"/>
                 </a:solidFill>
               </a14:hiddenFill>
             </a:ext>
             <a:ext uri="{91240B29-F687-4F45-9708-019B960494DF}">
-              <a14:hiddenLine xmlns:a14="http://schemas.microsoft.com/office/drawing/2010/main" w="9525">
+              <a14:hiddenLine xmlns:a14="http://schemas.microsoft.com/office/drawing/2010/main" xmlns="" w="9525">
                 <a:solidFill>
                   <a:srgbClr val="000000"/>
                 </a:solidFill>
@@ -8592,7 +8456,7 @@
     </p:spTree>
     <p:extLst>
       <p:ext uri="{BB962C8B-B14F-4D97-AF65-F5344CB8AC3E}">
-        <p14:creationId xmlns:p14="http://schemas.microsoft.com/office/powerpoint/2010/main" val="2220326480"/>
+        <p14:creationId xmlns:p14="http://schemas.microsoft.com/office/powerpoint/2010/main" xmlns="" val="2220326480"/>
       </p:ext>
     </p:extLst>
   </p:cSld>
@@ -8932,10 +8796,16 @@
           <a:p>
             <a:pPr lvl="1"/>
             <a:r>
+              <a:rPr lang="en-US" altLang="en-US" sz="2000" dirty="0" smtClean="0">
+                <a:ea typeface="ＭＳ Ｐゴシック" panose="020B0600070205080204" pitchFamily="34" charset="-128"/>
+              </a:rPr>
+              <a:t>If </a:t>
+            </a:r>
+            <a:r>
               <a:rPr lang="en-US" altLang="en-US" sz="2000" dirty="0">
                 <a:ea typeface="ＭＳ Ｐゴシック" panose="020B0600070205080204" pitchFamily="34" charset="-128"/>
               </a:rPr>
-              <a:t>In an exception does occur, the</a:t>
+              <a:t>an exception does occur, the</a:t>
             </a:r>
             <a:r>
               <a:rPr lang="en-US" altLang="en-US" sz="2000" dirty="0">
@@ -8989,28 +8859,6 @@
       </p:sp>
       <p:sp>
         <p:nvSpPr>
-          <p:cNvPr id="6" name="Date Placeholder 5"/>
-          <p:cNvSpPr>
-            <a:spLocks noGrp="1"/>
-          </p:cNvSpPr>
-          <p:nvPr>
-            <p:ph type="dt" sz="half" idx="2"/>
-          </p:nvPr>
-        </p:nvSpPr>
-        <p:spPr/>
-        <p:txBody>
-          <a:bodyPr/>
-          <a:lstStyle/>
-          <a:p>
-            <a:r>
-              <a:rPr lang="en-CA" dirty="0"/>
-              <a:t>Winter 2022</a:t>
-            </a:r>
-          </a:p>
-        </p:txBody>
-      </p:sp>
-      <p:sp>
-        <p:nvSpPr>
           <p:cNvPr id="10" name="Footer Placeholder 9"/>
           <p:cNvSpPr>
             <a:spLocks noGrp="1"/>
@@ -9061,7 +8909,7 @@
     </p:spTree>
     <p:extLst>
       <p:ext uri="{BB962C8B-B14F-4D97-AF65-F5344CB8AC3E}">
-        <p14:creationId xmlns:p14="http://schemas.microsoft.com/office/powerpoint/2010/main" val="668752758"/>
+        <p14:creationId xmlns:p14="http://schemas.microsoft.com/office/powerpoint/2010/main" xmlns="" val="668752758"/>
       </p:ext>
     </p:extLst>
   </p:cSld>
@@ -9266,28 +9114,6 @@
       </p:sp>
       <p:sp>
         <p:nvSpPr>
-          <p:cNvPr id="6" name="Date Placeholder 5"/>
-          <p:cNvSpPr>
-            <a:spLocks noGrp="1"/>
-          </p:cNvSpPr>
-          <p:nvPr>
-            <p:ph type="dt" sz="half" idx="2"/>
-          </p:nvPr>
-        </p:nvSpPr>
-        <p:spPr/>
-        <p:txBody>
-          <a:bodyPr/>
-          <a:lstStyle/>
-          <a:p>
-            <a:r>
-              <a:rPr lang="en-CA" dirty="0"/>
-              <a:t>Winter 2022</a:t>
-            </a:r>
-          </a:p>
-        </p:txBody>
-      </p:sp>
-      <p:sp>
-        <p:nvSpPr>
           <p:cNvPr id="10" name="Footer Placeholder 9"/>
           <p:cNvSpPr>
             <a:spLocks noGrp="1"/>
@@ -9338,7 +9164,7 @@
     </p:spTree>
     <p:extLst>
       <p:ext uri="{BB962C8B-B14F-4D97-AF65-F5344CB8AC3E}">
-        <p14:creationId xmlns:p14="http://schemas.microsoft.com/office/powerpoint/2010/main" val="132232297"/>
+        <p14:creationId xmlns:p14="http://schemas.microsoft.com/office/powerpoint/2010/main" xmlns="" val="132232297"/>
       </p:ext>
     </p:extLst>
   </p:cSld>
@@ -9708,28 +9534,6 @@
       </p:sp>
       <p:sp>
         <p:nvSpPr>
-          <p:cNvPr id="6" name="Date Placeholder 5"/>
-          <p:cNvSpPr>
-            <a:spLocks noGrp="1"/>
-          </p:cNvSpPr>
-          <p:nvPr>
-            <p:ph type="dt" sz="half" idx="2"/>
-          </p:nvPr>
-        </p:nvSpPr>
-        <p:spPr/>
-        <p:txBody>
-          <a:bodyPr/>
-          <a:lstStyle/>
-          <a:p>
-            <a:r>
-              <a:rPr lang="en-CA" dirty="0"/>
-              <a:t>Winter 2022</a:t>
-            </a:r>
-          </a:p>
-        </p:txBody>
-      </p:sp>
-      <p:sp>
-        <p:nvSpPr>
           <p:cNvPr id="10" name="Footer Placeholder 9"/>
           <p:cNvSpPr>
             <a:spLocks noGrp="1"/>
@@ -9780,7 +9584,7 @@
     </p:spTree>
     <p:extLst>
       <p:ext uri="{BB962C8B-B14F-4D97-AF65-F5344CB8AC3E}">
-        <p14:creationId xmlns:p14="http://schemas.microsoft.com/office/powerpoint/2010/main" val="2778576912"/>
+        <p14:creationId xmlns:p14="http://schemas.microsoft.com/office/powerpoint/2010/main" xmlns="" val="2778576912"/>
       </p:ext>
     </p:extLst>
   </p:cSld>
@@ -9952,28 +9756,6 @@
       </p:sp>
       <p:sp>
         <p:nvSpPr>
-          <p:cNvPr id="6" name="Date Placeholder 5"/>
-          <p:cNvSpPr>
-            <a:spLocks noGrp="1"/>
-          </p:cNvSpPr>
-          <p:nvPr>
-            <p:ph type="dt" sz="half" idx="2"/>
-          </p:nvPr>
-        </p:nvSpPr>
-        <p:spPr/>
-        <p:txBody>
-          <a:bodyPr/>
-          <a:lstStyle/>
-          <a:p>
-            <a:r>
-              <a:rPr lang="en-CA" dirty="0"/>
-              <a:t>Winter 2022</a:t>
-            </a:r>
-          </a:p>
-        </p:txBody>
-      </p:sp>
-      <p:sp>
-        <p:nvSpPr>
           <p:cNvPr id="10" name="Footer Placeholder 9"/>
           <p:cNvSpPr>
             <a:spLocks noGrp="1"/>
@@ -10024,7 +9806,7 @@
     </p:spTree>
     <p:extLst>
       <p:ext uri="{BB962C8B-B14F-4D97-AF65-F5344CB8AC3E}">
-        <p14:creationId xmlns:p14="http://schemas.microsoft.com/office/powerpoint/2010/main" val="51204498"/>
+        <p14:creationId xmlns:p14="http://schemas.microsoft.com/office/powerpoint/2010/main" xmlns="" val="51204498"/>
       </p:ext>
     </p:extLst>
   </p:cSld>
@@ -10311,28 +10093,6 @@
       </p:sp>
       <p:sp>
         <p:nvSpPr>
-          <p:cNvPr id="6" name="Date Placeholder 5"/>
-          <p:cNvSpPr>
-            <a:spLocks noGrp="1"/>
-          </p:cNvSpPr>
-          <p:nvPr>
-            <p:ph type="dt" sz="half" idx="2"/>
-          </p:nvPr>
-        </p:nvSpPr>
-        <p:spPr/>
-        <p:txBody>
-          <a:bodyPr/>
-          <a:lstStyle/>
-          <a:p>
-            <a:r>
-              <a:rPr lang="en-CA" dirty="0"/>
-              <a:t>Winter 2022</a:t>
-            </a:r>
-          </a:p>
-        </p:txBody>
-      </p:sp>
-      <p:sp>
-        <p:nvSpPr>
           <p:cNvPr id="10" name="Footer Placeholder 9"/>
           <p:cNvSpPr>
             <a:spLocks noGrp="1"/>
@@ -10383,7 +10143,7 @@
     </p:spTree>
     <p:extLst>
       <p:ext uri="{BB962C8B-B14F-4D97-AF65-F5344CB8AC3E}">
-        <p14:creationId xmlns:p14="http://schemas.microsoft.com/office/powerpoint/2010/main" val="3963229193"/>
+        <p14:creationId xmlns:p14="http://schemas.microsoft.com/office/powerpoint/2010/main" xmlns="" val="3963229193"/>
       </p:ext>
     </p:extLst>
   </p:cSld>
@@ -10529,10 +10289,22 @@
           <a:p>
             <a:pPr lvl="1"/>
             <a:r>
+              <a:rPr lang="en-US" altLang="en-US" sz="2000" dirty="0" err="1" smtClean="0">
+                <a:ea typeface="ＭＳ Ｐゴシック" panose="020B0600070205080204" pitchFamily="34" charset="-128"/>
+              </a:rPr>
+              <a:t>IntelliJ</a:t>
+            </a:r>
+            <a:r>
+              <a:rPr lang="en-US" altLang="en-US" sz="2000" dirty="0" smtClean="0">
+                <a:ea typeface="ＭＳ Ｐゴシック" panose="020B0600070205080204" pitchFamily="34" charset="-128"/>
+              </a:rPr>
+              <a:t> </a:t>
+            </a:r>
+            <a:r>
               <a:rPr lang="en-US" altLang="en-US" sz="2000" dirty="0">
                 <a:ea typeface="ＭＳ Ｐゴシック" panose="020B0600070205080204" pitchFamily="34" charset="-128"/>
               </a:rPr>
-              <a:t>Eclipse writes this to the same Console window, but writes it in </a:t>
+              <a:t>writes this to the same Console window, but writes it in </a:t>
             </a:r>
             <a:r>
               <a:rPr lang="en-US" altLang="en-US" sz="2000" dirty="0">
@@ -10715,28 +10487,6 @@
                 <a:ea typeface="ＭＳ Ｐゴシック" panose="020B0600070205080204" pitchFamily="34" charset="-128"/>
               </a:rPr>
               <a:t>, and this output is printed along with the “normal” output</a:t>
-            </a:r>
-          </a:p>
-        </p:txBody>
-      </p:sp>
-      <p:sp>
-        <p:nvSpPr>
-          <p:cNvPr id="6" name="Date Placeholder 5"/>
-          <p:cNvSpPr>
-            <a:spLocks noGrp="1"/>
-          </p:cNvSpPr>
-          <p:nvPr>
-            <p:ph type="dt" sz="half" idx="2"/>
-          </p:nvPr>
-        </p:nvSpPr>
-        <p:spPr/>
-        <p:txBody>
-          <a:bodyPr/>
-          <a:lstStyle/>
-          <a:p>
-            <a:r>
-              <a:rPr lang="en-CA" dirty="0"/>
-              <a:t>Winter 2022</a:t>
             </a:r>
           </a:p>
         </p:txBody>
@@ -10793,7 +10543,7 @@
     </p:spTree>
     <p:extLst>
       <p:ext uri="{BB962C8B-B14F-4D97-AF65-F5344CB8AC3E}">
-        <p14:creationId xmlns:p14="http://schemas.microsoft.com/office/powerpoint/2010/main" val="127963713"/>
+        <p14:creationId xmlns:p14="http://schemas.microsoft.com/office/powerpoint/2010/main" xmlns="" val="127963713"/>
       </p:ext>
     </p:extLst>
   </p:cSld>
@@ -10981,28 +10731,6 @@
       </p:sp>
       <p:sp>
         <p:nvSpPr>
-          <p:cNvPr id="6" name="Date Placeholder 5"/>
-          <p:cNvSpPr>
-            <a:spLocks noGrp="1"/>
-          </p:cNvSpPr>
-          <p:nvPr>
-            <p:ph type="dt" sz="half" idx="2"/>
-          </p:nvPr>
-        </p:nvSpPr>
-        <p:spPr/>
-        <p:txBody>
-          <a:bodyPr/>
-          <a:lstStyle/>
-          <a:p>
-            <a:r>
-              <a:rPr lang="en-CA" dirty="0"/>
-              <a:t>Winter 2022</a:t>
-            </a:r>
-          </a:p>
-        </p:txBody>
-      </p:sp>
-      <p:sp>
-        <p:nvSpPr>
           <p:cNvPr id="10" name="Footer Placeholder 9"/>
           <p:cNvSpPr>
             <a:spLocks noGrp="1"/>
@@ -11053,7 +10781,7 @@
     </p:spTree>
     <p:extLst>
       <p:ext uri="{BB962C8B-B14F-4D97-AF65-F5344CB8AC3E}">
-        <p14:creationId xmlns:p14="http://schemas.microsoft.com/office/powerpoint/2010/main" val="2986053279"/>
+        <p14:creationId xmlns:p14="http://schemas.microsoft.com/office/powerpoint/2010/main" xmlns="" val="2986053279"/>
       </p:ext>
     </p:extLst>
   </p:cSld>
@@ -11240,28 +10968,6 @@
       </p:sp>
       <p:sp>
         <p:nvSpPr>
-          <p:cNvPr id="6" name="Date Placeholder 5"/>
-          <p:cNvSpPr>
-            <a:spLocks noGrp="1"/>
-          </p:cNvSpPr>
-          <p:nvPr>
-            <p:ph type="dt" sz="half" idx="2"/>
-          </p:nvPr>
-        </p:nvSpPr>
-        <p:spPr/>
-        <p:txBody>
-          <a:bodyPr/>
-          <a:lstStyle/>
-          <a:p>
-            <a:r>
-              <a:rPr lang="en-CA" dirty="0"/>
-              <a:t>Winter 2022</a:t>
-            </a:r>
-          </a:p>
-        </p:txBody>
-      </p:sp>
-      <p:sp>
-        <p:nvSpPr>
           <p:cNvPr id="10" name="Footer Placeholder 9"/>
           <p:cNvSpPr>
             <a:spLocks noGrp="1"/>
@@ -11312,7 +11018,7 @@
     </p:spTree>
     <p:extLst>
       <p:ext uri="{BB962C8B-B14F-4D97-AF65-F5344CB8AC3E}">
-        <p14:creationId xmlns:p14="http://schemas.microsoft.com/office/powerpoint/2010/main" val="16019776"/>
+        <p14:creationId xmlns:p14="http://schemas.microsoft.com/office/powerpoint/2010/main" xmlns="" val="16019776"/>
       </p:ext>
     </p:extLst>
   </p:cSld>
@@ -11523,28 +11229,6 @@
       </p:sp>
       <p:sp>
         <p:nvSpPr>
-          <p:cNvPr id="6" name="Date Placeholder 5"/>
-          <p:cNvSpPr>
-            <a:spLocks noGrp="1"/>
-          </p:cNvSpPr>
-          <p:nvPr>
-            <p:ph type="dt" sz="half" idx="2"/>
-          </p:nvPr>
-        </p:nvSpPr>
-        <p:spPr/>
-        <p:txBody>
-          <a:bodyPr/>
-          <a:lstStyle/>
-          <a:p>
-            <a:r>
-              <a:rPr lang="en-CA" dirty="0"/>
-              <a:t>Winter 2022</a:t>
-            </a:r>
-          </a:p>
-        </p:txBody>
-      </p:sp>
-      <p:sp>
-        <p:nvSpPr>
           <p:cNvPr id="10" name="Footer Placeholder 9"/>
           <p:cNvSpPr>
             <a:spLocks noGrp="1"/>
@@ -11595,7 +11279,7 @@
     </p:spTree>
     <p:extLst>
       <p:ext uri="{BB962C8B-B14F-4D97-AF65-F5344CB8AC3E}">
-        <p14:creationId xmlns:p14="http://schemas.microsoft.com/office/powerpoint/2010/main" val="4281930268"/>
+        <p14:creationId xmlns:p14="http://schemas.microsoft.com/office/powerpoint/2010/main" xmlns="" val="4281930268"/>
       </p:ext>
     </p:extLst>
   </p:cSld>
@@ -11703,28 +11387,6 @@
       </p:sp>
       <p:sp>
         <p:nvSpPr>
-          <p:cNvPr id="6" name="Date Placeholder 5"/>
-          <p:cNvSpPr>
-            <a:spLocks noGrp="1"/>
-          </p:cNvSpPr>
-          <p:nvPr>
-            <p:ph type="dt" sz="half" idx="2"/>
-          </p:nvPr>
-        </p:nvSpPr>
-        <p:spPr/>
-        <p:txBody>
-          <a:bodyPr/>
-          <a:lstStyle/>
-          <a:p>
-            <a:r>
-              <a:rPr lang="en-CA" dirty="0"/>
-              <a:t>Winter 2022</a:t>
-            </a:r>
-          </a:p>
-        </p:txBody>
-      </p:sp>
-      <p:sp>
-        <p:nvSpPr>
           <p:cNvPr id="10" name="Footer Placeholder 9"/>
           <p:cNvSpPr>
             <a:spLocks noGrp="1"/>
@@ -11775,7 +11437,7 @@
     </p:spTree>
     <p:extLst>
       <p:ext uri="{BB962C8B-B14F-4D97-AF65-F5344CB8AC3E}">
-        <p14:creationId xmlns:p14="http://schemas.microsoft.com/office/powerpoint/2010/main" val="3380951599"/>
+        <p14:creationId xmlns:p14="http://schemas.microsoft.com/office/powerpoint/2010/main" xmlns="" val="3380951599"/>
       </p:ext>
     </p:extLst>
   </p:cSld>
@@ -12196,28 +11858,6 @@
       </p:sp>
       <p:sp>
         <p:nvSpPr>
-          <p:cNvPr id="6" name="Date Placeholder 5"/>
-          <p:cNvSpPr>
-            <a:spLocks noGrp="1"/>
-          </p:cNvSpPr>
-          <p:nvPr>
-            <p:ph type="dt" sz="half" idx="2"/>
-          </p:nvPr>
-        </p:nvSpPr>
-        <p:spPr/>
-        <p:txBody>
-          <a:bodyPr/>
-          <a:lstStyle/>
-          <a:p>
-            <a:r>
-              <a:rPr lang="en-CA" dirty="0"/>
-              <a:t>Winter 2022</a:t>
-            </a:r>
-          </a:p>
-        </p:txBody>
-      </p:sp>
-      <p:sp>
-        <p:nvSpPr>
           <p:cNvPr id="10" name="Footer Placeholder 9"/>
           <p:cNvSpPr>
             <a:spLocks noGrp="1"/>
@@ -12268,7 +11908,7 @@
     </p:spTree>
     <p:extLst>
       <p:ext uri="{BB962C8B-B14F-4D97-AF65-F5344CB8AC3E}">
-        <p14:creationId xmlns:p14="http://schemas.microsoft.com/office/powerpoint/2010/main" val="296679934"/>
+        <p14:creationId xmlns:p14="http://schemas.microsoft.com/office/powerpoint/2010/main" xmlns="" val="296679934"/>
       </p:ext>
     </p:extLst>
   </p:cSld>
@@ -12360,7 +12000,19 @@
               <a:rPr lang="en-US" altLang="en-US" sz="1800" dirty="0">
                 <a:ea typeface="ＭＳ Ｐゴシック" panose="020B0600070205080204" pitchFamily="34" charset="-128"/>
               </a:rPr>
-              <a:t>Are used to catch error conditions “from outside,” such trying to read a file that doesn’t exist</a:t>
+              <a:t>Are used to catch error conditions “from outside,” </a:t>
+            </a:r>
+            <a:r>
+              <a:rPr lang="en-US" altLang="en-US" sz="1800" dirty="0" smtClean="0">
+                <a:ea typeface="ＭＳ Ｐゴシック" panose="020B0600070205080204" pitchFamily="34" charset="-128"/>
+              </a:rPr>
+              <a:t>such as </a:t>
+            </a:r>
+            <a:r>
+              <a:rPr lang="en-US" altLang="en-US" sz="1800" dirty="0">
+                <a:ea typeface="ＭＳ Ｐゴシック" panose="020B0600070205080204" pitchFamily="34" charset="-128"/>
+              </a:rPr>
+              <a:t>trying to read a file that doesn’t exist</a:t>
             </a:r>
           </a:p>
           <a:p>
@@ -12505,28 +12157,6 @@
       </p:sp>
       <p:sp>
         <p:nvSpPr>
-          <p:cNvPr id="6" name="Date Placeholder 5"/>
-          <p:cNvSpPr>
-            <a:spLocks noGrp="1"/>
-          </p:cNvSpPr>
-          <p:nvPr>
-            <p:ph type="dt" sz="half" idx="2"/>
-          </p:nvPr>
-        </p:nvSpPr>
-        <p:spPr/>
-        <p:txBody>
-          <a:bodyPr/>
-          <a:lstStyle/>
-          <a:p>
-            <a:r>
-              <a:rPr lang="en-CA" dirty="0"/>
-              <a:t>Winter 2022</a:t>
-            </a:r>
-          </a:p>
-        </p:txBody>
-      </p:sp>
-      <p:sp>
-        <p:nvSpPr>
           <p:cNvPr id="10" name="Footer Placeholder 9"/>
           <p:cNvSpPr>
             <a:spLocks noGrp="1"/>
@@ -12577,7 +12207,7 @@
     </p:spTree>
     <p:extLst>
       <p:ext uri="{BB962C8B-B14F-4D97-AF65-F5344CB8AC3E}">
-        <p14:creationId xmlns:p14="http://schemas.microsoft.com/office/powerpoint/2010/main" val="1688656353"/>
+        <p14:creationId xmlns:p14="http://schemas.microsoft.com/office/powerpoint/2010/main" xmlns="" val="1688656353"/>
       </p:ext>
     </p:extLst>
   </p:cSld>
@@ -12752,28 +12382,6 @@
       </p:sp>
       <p:sp>
         <p:nvSpPr>
-          <p:cNvPr id="6" name="Date Placeholder 5"/>
-          <p:cNvSpPr>
-            <a:spLocks noGrp="1"/>
-          </p:cNvSpPr>
-          <p:nvPr>
-            <p:ph type="dt" sz="half" idx="2"/>
-          </p:nvPr>
-        </p:nvSpPr>
-        <p:spPr/>
-        <p:txBody>
-          <a:bodyPr/>
-          <a:lstStyle/>
-          <a:p>
-            <a:r>
-              <a:rPr lang="en-CA" dirty="0"/>
-              <a:t>Winter 2022</a:t>
-            </a:r>
-          </a:p>
-        </p:txBody>
-      </p:sp>
-      <p:sp>
-        <p:nvSpPr>
           <p:cNvPr id="10" name="Footer Placeholder 9"/>
           <p:cNvSpPr>
             <a:spLocks noGrp="1"/>
@@ -12824,7 +12432,7 @@
     </p:spTree>
     <p:extLst>
       <p:ext uri="{BB962C8B-B14F-4D97-AF65-F5344CB8AC3E}">
-        <p14:creationId xmlns:p14="http://schemas.microsoft.com/office/powerpoint/2010/main" val="951659939"/>
+        <p14:creationId xmlns:p14="http://schemas.microsoft.com/office/powerpoint/2010/main" xmlns="" val="951659939"/>
       </p:ext>
     </p:extLst>
   </p:cSld>
@@ -12986,28 +12594,6 @@
       </p:sp>
       <p:sp>
         <p:nvSpPr>
-          <p:cNvPr id="6" name="Date Placeholder 5"/>
-          <p:cNvSpPr>
-            <a:spLocks noGrp="1"/>
-          </p:cNvSpPr>
-          <p:nvPr>
-            <p:ph type="dt" sz="half" idx="2"/>
-          </p:nvPr>
-        </p:nvSpPr>
-        <p:spPr/>
-        <p:txBody>
-          <a:bodyPr/>
-          <a:lstStyle/>
-          <a:p>
-            <a:r>
-              <a:rPr lang="en-CA" dirty="0"/>
-              <a:t>Winter 2022</a:t>
-            </a:r>
-          </a:p>
-        </p:txBody>
-      </p:sp>
-      <p:sp>
-        <p:nvSpPr>
           <p:cNvPr id="10" name="Footer Placeholder 9"/>
           <p:cNvSpPr>
             <a:spLocks noGrp="1"/>
@@ -13058,7 +12644,7 @@
     </p:spTree>
     <p:extLst>
       <p:ext uri="{BB962C8B-B14F-4D97-AF65-F5344CB8AC3E}">
-        <p14:creationId xmlns:p14="http://schemas.microsoft.com/office/powerpoint/2010/main" val="649184941"/>
+        <p14:creationId xmlns:p14="http://schemas.microsoft.com/office/powerpoint/2010/main" xmlns="" val="649184941"/>
       </p:ext>
     </p:extLst>
   </p:cSld>
@@ -13251,28 +12837,6 @@
       </p:sp>
       <p:sp>
         <p:nvSpPr>
-          <p:cNvPr id="6" name="Date Placeholder 5"/>
-          <p:cNvSpPr>
-            <a:spLocks noGrp="1"/>
-          </p:cNvSpPr>
-          <p:nvPr>
-            <p:ph type="dt" sz="half" idx="2"/>
-          </p:nvPr>
-        </p:nvSpPr>
-        <p:spPr/>
-        <p:txBody>
-          <a:bodyPr/>
-          <a:lstStyle/>
-          <a:p>
-            <a:r>
-              <a:rPr lang="en-CA" dirty="0"/>
-              <a:t>Winter 2022</a:t>
-            </a:r>
-          </a:p>
-        </p:txBody>
-      </p:sp>
-      <p:sp>
-        <p:nvSpPr>
           <p:cNvPr id="10" name="Footer Placeholder 9"/>
           <p:cNvSpPr>
             <a:spLocks noGrp="1"/>
@@ -13323,7 +12887,7 @@
     </p:spTree>
     <p:extLst>
       <p:ext uri="{BB962C8B-B14F-4D97-AF65-F5344CB8AC3E}">
-        <p14:creationId xmlns:p14="http://schemas.microsoft.com/office/powerpoint/2010/main" val="1435777542"/>
+        <p14:creationId xmlns:p14="http://schemas.microsoft.com/office/powerpoint/2010/main" xmlns="" val="1435777542"/>
       </p:ext>
     </p:extLst>
   </p:cSld>
@@ -13513,28 +13077,6 @@
       </p:sp>
       <p:sp>
         <p:nvSpPr>
-          <p:cNvPr id="6" name="Date Placeholder 5"/>
-          <p:cNvSpPr>
-            <a:spLocks noGrp="1"/>
-          </p:cNvSpPr>
-          <p:nvPr>
-            <p:ph type="dt" sz="half" idx="2"/>
-          </p:nvPr>
-        </p:nvSpPr>
-        <p:spPr/>
-        <p:txBody>
-          <a:bodyPr/>
-          <a:lstStyle/>
-          <a:p>
-            <a:r>
-              <a:rPr lang="en-CA" dirty="0"/>
-              <a:t>Winter 2022</a:t>
-            </a:r>
-          </a:p>
-        </p:txBody>
-      </p:sp>
-      <p:sp>
-        <p:nvSpPr>
           <p:cNvPr id="10" name="Footer Placeholder 9"/>
           <p:cNvSpPr>
             <a:spLocks noGrp="1"/>
@@ -13585,7 +13127,7 @@
     </p:spTree>
     <p:extLst>
       <p:ext uri="{BB962C8B-B14F-4D97-AF65-F5344CB8AC3E}">
-        <p14:creationId xmlns:p14="http://schemas.microsoft.com/office/powerpoint/2010/main" val="997206608"/>
+        <p14:creationId xmlns:p14="http://schemas.microsoft.com/office/powerpoint/2010/main" xmlns="" val="997206608"/>
       </p:ext>
     </p:extLst>
   </p:cSld>
@@ -13695,6 +13237,10 @@
             <a:br>
               <a:rPr lang="en-US" altLang="en-US" sz="2400" b="1" dirty="0"/>
             </a:br>
+            <a:r>
+              <a:rPr lang="en-US" altLang="en-US" sz="2400" b="1" dirty="0"/>
+              <a:t/>
+            </a:r>
             <a:br>
               <a:rPr lang="en-US" altLang="en-US" sz="2400" b="1" dirty="0"/>
             </a:br>
@@ -13712,6 +13258,10 @@
             <a:br>
               <a:rPr lang="en-US" altLang="en-US" sz="2400" b="1" dirty="0"/>
             </a:br>
+            <a:r>
+              <a:rPr lang="en-US" altLang="en-US" sz="2400" b="1" dirty="0"/>
+              <a:t/>
+            </a:r>
             <a:br>
               <a:rPr lang="en-US" altLang="en-US" sz="2400" b="1" dirty="0"/>
             </a:br>
@@ -13729,34 +13279,16 @@
             <a:br>
               <a:rPr lang="en-US" altLang="en-US" sz="2400" b="1" dirty="0"/>
             </a:br>
+            <a:r>
+              <a:rPr lang="en-US" altLang="en-US" sz="2400" b="1" dirty="0"/>
+              <a:t/>
+            </a:r>
             <a:br>
               <a:rPr lang="en-US" altLang="en-US" sz="2400" b="1" dirty="0"/>
             </a:br>
             <a:r>
               <a:rPr lang="en-US" altLang="en-US" sz="2400" b="1" dirty="0"/>
               <a:t>}</a:t>
-            </a:r>
-          </a:p>
-        </p:txBody>
-      </p:sp>
-      <p:sp>
-        <p:nvSpPr>
-          <p:cNvPr id="6" name="Date Placeholder 5"/>
-          <p:cNvSpPr>
-            <a:spLocks noGrp="1"/>
-          </p:cNvSpPr>
-          <p:nvPr>
-            <p:ph type="dt" sz="half" idx="2"/>
-          </p:nvPr>
-        </p:nvSpPr>
-        <p:spPr/>
-        <p:txBody>
-          <a:bodyPr/>
-          <a:lstStyle/>
-          <a:p>
-            <a:r>
-              <a:rPr lang="en-CA" dirty="0"/>
-              <a:t>Winter 2022</a:t>
             </a:r>
           </a:p>
         </p:txBody>
@@ -13813,7 +13345,7 @@
     </p:spTree>
     <p:extLst>
       <p:ext uri="{BB962C8B-B14F-4D97-AF65-F5344CB8AC3E}">
-        <p14:creationId xmlns:p14="http://schemas.microsoft.com/office/powerpoint/2010/main" val="1364115844"/>
+        <p14:creationId xmlns:p14="http://schemas.microsoft.com/office/powerpoint/2010/main" xmlns="" val="1364115844"/>
       </p:ext>
     </p:extLst>
   </p:cSld>
@@ -13975,28 +13507,6 @@
       </p:sp>
       <p:sp>
         <p:nvSpPr>
-          <p:cNvPr id="6" name="Date Placeholder 5"/>
-          <p:cNvSpPr>
-            <a:spLocks noGrp="1"/>
-          </p:cNvSpPr>
-          <p:nvPr>
-            <p:ph type="dt" sz="half" idx="2"/>
-          </p:nvPr>
-        </p:nvSpPr>
-        <p:spPr/>
-        <p:txBody>
-          <a:bodyPr/>
-          <a:lstStyle/>
-          <a:p>
-            <a:r>
-              <a:rPr lang="en-CA" dirty="0"/>
-              <a:t>Winter 2022</a:t>
-            </a:r>
-          </a:p>
-        </p:txBody>
-      </p:sp>
-      <p:sp>
-        <p:nvSpPr>
           <p:cNvPr id="10" name="Footer Placeholder 9"/>
           <p:cNvSpPr>
             <a:spLocks noGrp="1"/>
@@ -14047,7 +13557,7 @@
     </p:spTree>
     <p:extLst>
       <p:ext uri="{BB962C8B-B14F-4D97-AF65-F5344CB8AC3E}">
-        <p14:creationId xmlns:p14="http://schemas.microsoft.com/office/powerpoint/2010/main" val="831713103"/>
+        <p14:creationId xmlns:p14="http://schemas.microsoft.com/office/powerpoint/2010/main" xmlns="" val="831713103"/>
       </p:ext>
     </p:extLst>
   </p:cSld>
@@ -14386,28 +13896,6 @@
       </p:sp>
       <p:sp>
         <p:nvSpPr>
-          <p:cNvPr id="6" name="Date Placeholder 5"/>
-          <p:cNvSpPr>
-            <a:spLocks noGrp="1"/>
-          </p:cNvSpPr>
-          <p:nvPr>
-            <p:ph type="dt" sz="half" idx="2"/>
-          </p:nvPr>
-        </p:nvSpPr>
-        <p:spPr/>
-        <p:txBody>
-          <a:bodyPr/>
-          <a:lstStyle/>
-          <a:p>
-            <a:r>
-              <a:rPr lang="en-CA" dirty="0"/>
-              <a:t>Winter 2022</a:t>
-            </a:r>
-          </a:p>
-        </p:txBody>
-      </p:sp>
-      <p:sp>
-        <p:nvSpPr>
           <p:cNvPr id="10" name="Footer Placeholder 9"/>
           <p:cNvSpPr>
             <a:spLocks noGrp="1"/>
@@ -14458,7 +13946,7 @@
     </p:spTree>
     <p:extLst>
       <p:ext uri="{BB962C8B-B14F-4D97-AF65-F5344CB8AC3E}">
-        <p14:creationId xmlns:p14="http://schemas.microsoft.com/office/powerpoint/2010/main" val="3252093137"/>
+        <p14:creationId xmlns:p14="http://schemas.microsoft.com/office/powerpoint/2010/main" xmlns="" val="3252093137"/>
       </p:ext>
     </p:extLst>
   </p:cSld>
@@ -14511,7 +13999,7 @@
     </a:clrScheme>
     <a:fontScheme name="Office">
       <a:majorFont>
-        <a:latin typeface="Calibri Light" panose="020F0302020204030204"/>
+        <a:latin typeface="Calibri Light"/>
         <a:ea typeface=""/>
         <a:cs typeface=""/>
         <a:font script="Jpan" typeface="游ゴシック Light"/>
@@ -14563,7 +14051,7 @@
         <a:font script="Tfng" typeface="Ebrima"/>
       </a:majorFont>
       <a:minorFont>
-        <a:latin typeface="Calibri" panose="020F0502020204030204"/>
+        <a:latin typeface="Calibri"/>
         <a:ea typeface=""/>
         <a:cs typeface=""/>
         <a:font script="Jpan" typeface="游ゴシック"/>
@@ -14757,7 +14245,7 @@
   <a:extraClrSchemeLst/>
   <a:extLst>
     <a:ext uri="{05A4C25C-085E-4340-85A3-A5531E510DB2}">
-      <thm15:themeFamily xmlns:thm15="http://schemas.microsoft.com/office/thememl/2012/main" name="eye_tracker_presentation" id="{00ED1D97-A04B-46A0-BB71-88655A6B057F}" vid="{F36189FA-3966-4852-951E-5734674D1C7B}"/>
+      <thm15:themeFamily xmlns:thm15="http://schemas.microsoft.com/office/thememl/2012/main" xmlns="" name="eye_tracker_presentation" id="{00ED1D97-A04B-46A0-BB71-88655A6B057F}" vid="{F36189FA-3966-4852-951E-5734674D1C7B}"/>
     </a:ext>
   </a:extLst>
 </a:theme>
@@ -14806,7 +14294,7 @@
     </a:clrScheme>
     <a:fontScheme name="Office">
       <a:majorFont>
-        <a:latin typeface="Calibri Light" panose="020F0302020204030204"/>
+        <a:latin typeface="Calibri Light"/>
         <a:ea typeface=""/>
         <a:cs typeface=""/>
         <a:font script="Jpan" typeface="游ゴシック Light"/>
@@ -14858,7 +14346,7 @@
         <a:font script="Tfng" typeface="Ebrima"/>
       </a:majorFont>
       <a:minorFont>
-        <a:latin typeface="Calibri" panose="020F0502020204030204"/>
+        <a:latin typeface="Calibri"/>
         <a:ea typeface=""/>
         <a:cs typeface=""/>
         <a:font script="Jpan" typeface="游ゴシック"/>
@@ -15052,7 +14540,7 @@
   <a:extraClrSchemeLst/>
   <a:extLst>
     <a:ext uri="{05A4C25C-085E-4340-85A3-A5531E510DB2}">
-      <thm15:themeFamily xmlns:thm15="http://schemas.microsoft.com/office/thememl/2012/main" name="Office Theme" id="{62F939B6-93AF-4DB8-9C6B-D6C7DFDC589F}" vid="{4A3C46E8-61CC-4603-A589-7422A47A8E4A}"/>
+      <thm15:themeFamily xmlns:thm15="http://schemas.microsoft.com/office/thememl/2012/main" xmlns="" name="Office Theme" id="{62F939B6-93AF-4DB8-9C6B-D6C7DFDC589F}" vid="{4A3C46E8-61CC-4603-A589-7422A47A8E4A}"/>
     </a:ext>
   </a:extLst>
 </a:theme>

--- a/bishops/cs321/resources/CS321_Lecture_10B.pptx
+++ b/bishops/cs321/resources/CS321_Lecture_10B.pptx
@@ -236,7 +236,7 @@
             <a:fld id="{A6583E9D-07AB-4C6D-BFD0-47E805C6B3D4}" type="datetimeFigureOut">
               <a:rPr lang="en-CA" smtClean="0"/>
               <a:pPr/>
-              <a:t>2024-02-18</a:t>
+              <a:t>2025-01-05</a:t>
             </a:fld>
             <a:endParaRPr lang="en-CA"/>
           </a:p>
@@ -3538,22 +3538,12 @@
           <a:p>
             <a:r>
               <a:rPr lang="en-CA" dirty="0"/>
-              <a:t>Prof: Gregory Mierzwinski</a:t>
-            </a:r>
-            <a:endParaRPr lang="en-CA" baseline="30000" dirty="0"/>
-          </a:p>
-          <a:p>
-            <a:r>
-              <a:rPr lang="en-CA" dirty="0"/>
-              <a:t>Date: </a:t>
-            </a:r>
-            <a:r>
-              <a:rPr lang="en-CA" dirty="0" smtClean="0"/>
-              <a:t>February 19, 2024</a:t>
-            </a:r>
-            <a:endParaRPr lang="en-CA" dirty="0"/>
-          </a:p>
-          <a:p>
+              <a:t>Prof: Gregory </a:t>
+            </a:r>
+            <a:r>
+              <a:rPr lang="en-CA" dirty="0" err="1" smtClean="0"/>
+              <a:t>Mierzwinski</a:t>
+            </a:r>
             <a:endParaRPr lang="en-CA" dirty="0"/>
           </a:p>
         </p:txBody>
